--- a/9. Presentation/AS_DeadlineTeam_Week16.pptx
+++ b/9. Presentation/AS_DeadlineTeam_Week16.pptx
@@ -190,6 +190,187 @@
         <c:barDir val="col"/>
         <c:grouping val="clustered"/>
         <c:varyColors val="0"/>
+        <c:ser>
+          <c:idx val="1"/>
+          <c:order val="0"/>
+          <c:tx>
+            <c:strRef>
+              <c:f>'Planned and Actual - Week16'!$C$135</c:f>
+              <c:strCache>
+                <c:ptCount val="1"/>
+                <c:pt idx="0">
+                  <c:v>Name</c:v>
+                </c:pt>
+              </c:strCache>
+            </c:strRef>
+          </c:tx>
+          <c:spPr>
+            <a:solidFill>
+              <a:srgbClr val="C0504D"/>
+            </a:solidFill>
+            <a:ln w="25400">
+              <a:noFill/>
+            </a:ln>
+          </c:spPr>
+          <c:invertIfNegative val="0"/>
+          <c:dPt>
+            <c:idx val="0"/>
+            <c:invertIfNegative val="0"/>
+            <c:bubble3D val="0"/>
+            <c:spPr>
+              <a:solidFill>
+                <a:srgbClr val="000099"/>
+              </a:solidFill>
+              <a:ln w="25400">
+                <a:noFill/>
+              </a:ln>
+            </c:spPr>
+          </c:dPt>
+          <c:dPt>
+            <c:idx val="1"/>
+            <c:invertIfNegative val="0"/>
+            <c:bubble3D val="0"/>
+            <c:spPr>
+              <a:solidFill>
+                <a:srgbClr val="0066FF"/>
+              </a:solidFill>
+              <a:ln w="25400">
+                <a:noFill/>
+              </a:ln>
+            </c:spPr>
+          </c:dPt>
+          <c:dPt>
+            <c:idx val="2"/>
+            <c:invertIfNegative val="0"/>
+            <c:bubble3D val="0"/>
+            <c:spPr>
+              <a:solidFill>
+                <a:schemeClr val="accent4">
+                  <a:lumMod val="60000"/>
+                  <a:lumOff val="40000"/>
+                </a:schemeClr>
+              </a:solidFill>
+              <a:ln>
+                <a:noFill/>
+              </a:ln>
+              <a:effectLst/>
+            </c:spPr>
+          </c:dPt>
+          <c:dPt>
+            <c:idx val="3"/>
+            <c:invertIfNegative val="0"/>
+            <c:bubble3D val="0"/>
+            <c:spPr>
+              <a:solidFill>
+                <a:srgbClr val="66FF66"/>
+              </a:solidFill>
+              <a:ln w="25400">
+                <a:noFill/>
+              </a:ln>
+            </c:spPr>
+          </c:dPt>
+          <c:dPt>
+            <c:idx val="4"/>
+            <c:invertIfNegative val="0"/>
+            <c:bubble3D val="0"/>
+            <c:spPr>
+              <a:solidFill>
+                <a:srgbClr val="FF66FF"/>
+              </a:solidFill>
+              <a:ln w="25400">
+                <a:noFill/>
+              </a:ln>
+            </c:spPr>
+          </c:dPt>
+          <c:dPt>
+            <c:idx val="5"/>
+            <c:invertIfNegative val="0"/>
+            <c:bubble3D val="0"/>
+            <c:spPr>
+              <a:solidFill>
+                <a:srgbClr val="00B0F0"/>
+              </a:solidFill>
+              <a:ln w="25400">
+                <a:noFill/>
+              </a:ln>
+            </c:spPr>
+          </c:dPt>
+          <c:dLbls>
+            <c:spPr>
+              <a:noFill/>
+              <a:ln w="25400">
+                <a:noFill/>
+              </a:ln>
+            </c:spPr>
+            <c:dLblPos val="outEnd"/>
+            <c:showLegendKey val="0"/>
+            <c:showVal val="1"/>
+            <c:showCatName val="0"/>
+            <c:showSerName val="0"/>
+            <c:showPercent val="0"/>
+            <c:showBubbleSize val="0"/>
+            <c:showLeaderLines val="0"/>
+            <c:extLst>
+              <c:ext xmlns:c15="http://schemas.microsoft.com/office/drawing/2012/chart" uri="{CE6537A1-D6FC-4f65-9D91-7224C49458BB}">
+                <c15:layout/>
+                <c15:showLeaderLines val="0"/>
+              </c:ext>
+            </c:extLst>
+          </c:dLbls>
+          <c:cat>
+            <c:strRef>
+              <c:f>'Planned and Actual - Week10'!$B$136:$B$141</c:f>
+              <c:strCache>
+                <c:ptCount val="6"/>
+                <c:pt idx="0">
+                  <c:v>Le Ngoc Chau</c:v>
+                </c:pt>
+                <c:pt idx="1">
+                  <c:v>Khau Thanh Dao</c:v>
+                </c:pt>
+                <c:pt idx="2">
+                  <c:v>Ngo Quang Huy</c:v>
+                </c:pt>
+                <c:pt idx="3">
+                  <c:v>Nguyen Phan Xuan Huy</c:v>
+                </c:pt>
+                <c:pt idx="4">
+                  <c:v>Huynh Trong Khang</c:v>
+                </c:pt>
+                <c:pt idx="5">
+                  <c:v>Ta Ngoc Thien Phu</c:v>
+                </c:pt>
+              </c:strCache>
+            </c:strRef>
+          </c:cat>
+          <c:val>
+            <c:numRef>
+              <c:f>'Planned and Actual - Week16'!$D$136:$D$141</c:f>
+              <c:numCache>
+                <c:formatCode>0.00</c:formatCode>
+                <c:ptCount val="6"/>
+                <c:pt idx="0">
+                  <c:v>27.5</c:v>
+                </c:pt>
+                <c:pt idx="1">
+                  <c:v>33.5</c:v>
+                </c:pt>
+                <c:pt idx="2">
+                  <c:v>31.5</c:v>
+                </c:pt>
+                <c:pt idx="3">
+                  <c:v>5.25</c:v>
+                </c:pt>
+                <c:pt idx="4">
+                  <c:v>32</c:v>
+                </c:pt>
+                <c:pt idx="5">
+                  <c:v>24.249999999999996</c:v>
+                </c:pt>
+              </c:numCache>
+            </c:numRef>
+          </c:val>
+        </c:ser>
         <c:dLbls>
           <c:showLegendKey val="0"/>
           <c:showVal val="0"/>
@@ -199,11 +380,11 @@
           <c:showBubbleSize val="0"/>
         </c:dLbls>
         <c:gapWidth val="182"/>
-        <c:axId val="-298849712"/>
-        <c:axId val="-298854608"/>
+        <c:axId val="903577072"/>
+        <c:axId val="903573264"/>
       </c:barChart>
       <c:catAx>
-        <c:axId val="-298849712"/>
+        <c:axId val="903577072"/>
         <c:scaling>
           <c:orientation val="minMax"/>
         </c:scaling>
@@ -246,7 +427,7 @@
             <a:endParaRPr lang="en-US"/>
           </a:p>
         </c:txPr>
-        <c:crossAx val="-298854608"/>
+        <c:crossAx val="903573264"/>
         <c:crosses val="autoZero"/>
         <c:auto val="1"/>
         <c:lblAlgn val="ctr"/>
@@ -254,7 +435,7 @@
         <c:noMultiLvlLbl val="0"/>
       </c:catAx>
       <c:valAx>
-        <c:axId val="-298854608"/>
+        <c:axId val="903573264"/>
         <c:scaling>
           <c:orientation val="minMax"/>
         </c:scaling>
@@ -303,7 +484,7 @@
             <a:endParaRPr lang="en-US"/>
           </a:p>
         </c:txPr>
-        <c:crossAx val="-298849712"/>
+        <c:crossAx val="903577072"/>
         <c:crosses val="autoZero"/>
         <c:crossBetween val="between"/>
       </c:valAx>
@@ -3326,31 +3507,7 @@
                 <a:latin typeface="Arial" panose="020B0604020202020204" pitchFamily="34" charset="0"/>
                 <a:cs typeface="Arial" panose="020B0604020202020204" pitchFamily="34" charset="0"/>
               </a:rPr>
-              <a:t>Week </a:t>
-            </a:r>
-            <a:r>
-              <a:rPr lang="en-US" sz="2000" dirty="0" smtClean="0">
-                <a:solidFill>
-                  <a:schemeClr val="accent5">
-                    <a:lumMod val="50000"/>
-                  </a:schemeClr>
-                </a:solidFill>
-                <a:latin typeface="Arial" panose="020B0604020202020204" pitchFamily="34" charset="0"/>
-                <a:cs typeface="Arial" panose="020B0604020202020204" pitchFamily="34" charset="0"/>
-              </a:rPr>
-              <a:t>16(20/2/2014-26/2/2014</a:t>
-            </a:r>
-            <a:r>
-              <a:rPr lang="en-US" sz="2000" dirty="0" smtClean="0">
-                <a:solidFill>
-                  <a:schemeClr val="accent5">
-                    <a:lumMod val="50000"/>
-                  </a:schemeClr>
-                </a:solidFill>
-                <a:latin typeface="Arial" panose="020B0604020202020204" pitchFamily="34" charset="0"/>
-                <a:cs typeface="Arial" panose="020B0604020202020204" pitchFamily="34" charset="0"/>
-              </a:rPr>
-              <a:t>)</a:t>
+              <a:t>Week 16(20/2/2014-26/2/2014)</a:t>
             </a:r>
           </a:p>
           <a:p>
@@ -4264,7 +4421,6 @@
               <a:rPr lang="en-US" dirty="0" smtClean="0"/>
               <a:t>Complete architect documents</a:t>
             </a:r>
-            <a:endParaRPr lang="en-US" dirty="0" smtClean="0"/>
           </a:p>
         </p:txBody>
       </p:sp>
@@ -4297,7 +4453,6 @@
               <a:rPr lang="en-US" dirty="0" smtClean="0"/>
               <a:t>Close design phase</a:t>
             </a:r>
-            <a:endParaRPr lang="en-US" dirty="0" smtClean="0"/>
           </a:p>
         </p:txBody>
       </p:sp>
@@ -4330,7 +4485,6 @@
               <a:rPr lang="en-US" dirty="0" smtClean="0"/>
               <a:t>Update sprint backlog</a:t>
             </a:r>
-            <a:endParaRPr lang="en-US" dirty="0" smtClean="0"/>
           </a:p>
         </p:txBody>
       </p:sp>
@@ -4363,7 +4517,6 @@
               <a:rPr lang="en-US" dirty="0" smtClean="0"/>
               <a:t>Design interface for Q/A system</a:t>
             </a:r>
-            <a:endParaRPr lang="en-US" dirty="0" smtClean="0"/>
           </a:p>
         </p:txBody>
       </p:sp>
@@ -4624,7 +4777,7 @@
       </p:sp>
       <p:pic>
         <p:nvPicPr>
-          <p:cNvPr id="5" name="Picture 4"/>
+          <p:cNvPr id="3" name="Picture 2"/>
           <p:cNvPicPr>
             <a:picLocks noChangeAspect="1"/>
           </p:cNvPicPr>
@@ -4638,8 +4791,8 @@
         </p:blipFill>
         <p:spPr>
           <a:xfrm>
-            <a:off x="1549400" y="1555668"/>
-            <a:ext cx="9280895" cy="4376264"/>
+            <a:off x="1389413" y="1682615"/>
+            <a:ext cx="9535886" cy="4066489"/>
           </a:xfrm>
           <a:prstGeom prst="rect">
             <a:avLst/>
@@ -4903,21 +5056,21 @@
       </p:sp>
       <p:graphicFrame>
         <p:nvGraphicFramePr>
-          <p:cNvPr id="7" name="Chart 6"/>
+          <p:cNvPr id="8" name="Chart 7"/>
           <p:cNvGraphicFramePr>
             <a:graphicFrameLocks/>
           </p:cNvGraphicFramePr>
           <p:nvPr>
             <p:extLst>
               <p:ext uri="{D42A27DB-BD31-4B8C-83A1-F6EECF244321}">
-                <p14:modId xmlns:p14="http://schemas.microsoft.com/office/powerpoint/2010/main" val="3456940668"/>
+                <p14:modId xmlns:p14="http://schemas.microsoft.com/office/powerpoint/2010/main" val="218371109"/>
               </p:ext>
             </p:extLst>
           </p:nvPr>
         </p:nvGraphicFramePr>
         <p:xfrm>
-          <a:off x="676895" y="1690688"/>
-          <a:ext cx="10462160" cy="4045094"/>
+          <a:off x="1175657" y="1816925"/>
+          <a:ext cx="9725891" cy="3966357"/>
         </p:xfrm>
         <a:graphic>
           <a:graphicData uri="http://schemas.openxmlformats.org/drawingml/2006/chart">
@@ -5141,7 +5294,7 @@
         <p:spPr>
           <a:xfrm>
             <a:off x="1447800" y="2568421"/>
-            <a:ext cx="7983418" cy="2308324"/>
+            <a:ext cx="7983418" cy="1200329"/>
           </a:xfrm>
           <a:prstGeom prst="rect">
             <a:avLst/>
@@ -5159,49 +5312,7 @@
             </a:pPr>
             <a:r>
               <a:rPr lang="en-US" dirty="0" smtClean="0"/>
-              <a:t>Finish design for admission system.</a:t>
-            </a:r>
-          </a:p>
-          <a:p>
-            <a:pPr marL="285750" indent="-285750">
-              <a:buFont typeface="Wingdings" panose="05000000000000000000" pitchFamily="2" charset="2"/>
-              <a:buChar char="q"/>
-            </a:pPr>
-            <a:endParaRPr lang="en-US" dirty="0"/>
-          </a:p>
-          <a:p>
-            <a:pPr marL="285750" indent="-285750">
-              <a:buFont typeface="Wingdings" panose="05000000000000000000" pitchFamily="2" charset="2"/>
-              <a:buChar char="q"/>
-            </a:pPr>
-            <a:r>
-              <a:rPr lang="en-US" dirty="0" smtClean="0"/>
-              <a:t>Close </a:t>
-            </a:r>
-            <a:r>
-              <a:rPr lang="en-US" dirty="0"/>
-              <a:t>design </a:t>
-            </a:r>
-            <a:r>
-              <a:rPr lang="en-US" dirty="0" smtClean="0"/>
-              <a:t>phase</a:t>
-            </a:r>
-          </a:p>
-          <a:p>
-            <a:pPr marL="285750" indent="-285750">
-              <a:buFont typeface="Wingdings" panose="05000000000000000000" pitchFamily="2" charset="2"/>
-              <a:buChar char="q"/>
-            </a:pPr>
-            <a:endParaRPr lang="en-US" dirty="0"/>
-          </a:p>
-          <a:p>
-            <a:pPr marL="285750" indent="-285750">
-              <a:buFont typeface="Wingdings" panose="05000000000000000000" pitchFamily="2" charset="2"/>
-              <a:buChar char="q"/>
-            </a:pPr>
-            <a:r>
-              <a:rPr lang="en-US" dirty="0" smtClean="0"/>
-              <a:t>Input user’s stories in sprint backlog.</a:t>
+              <a:t>Start sprint 1.</a:t>
             </a:r>
             <a:endParaRPr lang="en-US" dirty="0"/>
           </a:p>
